--- a/ppt 16-9/0291.礼拜散时.pptx
+++ b/ppt 16-9/0291.礼拜散时.pptx
@@ -129,7 +129,7 @@
           <p:cNvPr id="2" name="标题 1">
             <a:extLst>
               <a:ext uri="{FF2B5EF4-FFF2-40B4-BE49-F238E27FC236}">
-                <a16:creationId xmlns:a16="http://schemas.microsoft.com/office/drawing/2014/main" id="{7BE24C53-21A7-CCF8-B690-FA45CABB155E}"/>
+                <a16:creationId xmlns:a16="http://schemas.microsoft.com/office/drawing/2014/main" id="{0A6835B2-3225-B1E1-9F59-5535CCCA9088}"/>
               </a:ext>
             </a:extLst>
           </p:cNvPr>
@@ -166,7 +166,7 @@
           <p:cNvPr id="3" name="副标题 2">
             <a:extLst>
               <a:ext uri="{FF2B5EF4-FFF2-40B4-BE49-F238E27FC236}">
-                <a16:creationId xmlns:a16="http://schemas.microsoft.com/office/drawing/2014/main" id="{D3C384BB-28D3-EF4F-13E6-19EAAD271BD5}"/>
+                <a16:creationId xmlns:a16="http://schemas.microsoft.com/office/drawing/2014/main" id="{97F1B312-8949-455B-A558-71894041674A}"/>
               </a:ext>
             </a:extLst>
           </p:cNvPr>
@@ -236,7 +236,7 @@
           <p:cNvPr id="4" name="日期占位符 3">
             <a:extLst>
               <a:ext uri="{FF2B5EF4-FFF2-40B4-BE49-F238E27FC236}">
-                <a16:creationId xmlns:a16="http://schemas.microsoft.com/office/drawing/2014/main" id="{361FFBD5-230A-3475-9545-B84668140B86}"/>
+                <a16:creationId xmlns:a16="http://schemas.microsoft.com/office/drawing/2014/main" id="{2CB92DAD-F061-4516-5C87-70C4C2F6379F}"/>
               </a:ext>
             </a:extLst>
           </p:cNvPr>
@@ -252,7 +252,7 @@
           <a:bodyPr/>
           <a:lstStyle/>
           <a:p>
-            <a:fld id="{E9597A97-4C1C-46D1-B65A-74EF2C065B62}" type="datetimeFigureOut">
+            <a:fld id="{22BE6CA1-862A-4C9A-B0DD-C449970096AA}" type="datetimeFigureOut">
               <a:rPr lang="zh-CN" altLang="en-US" smtClean="0"/>
               <a:t>2024/3/10</a:t>
             </a:fld>
@@ -265,7 +265,7 @@
           <p:cNvPr id="5" name="页脚占位符 4">
             <a:extLst>
               <a:ext uri="{FF2B5EF4-FFF2-40B4-BE49-F238E27FC236}">
-                <a16:creationId xmlns:a16="http://schemas.microsoft.com/office/drawing/2014/main" id="{5C2E0C03-93FB-2504-99BA-CD251B80E284}"/>
+                <a16:creationId xmlns:a16="http://schemas.microsoft.com/office/drawing/2014/main" id="{5BB03331-CA2C-D763-0857-AE631333F316}"/>
               </a:ext>
             </a:extLst>
           </p:cNvPr>
@@ -290,7 +290,7 @@
           <p:cNvPr id="6" name="灯片编号占位符 5">
             <a:extLst>
               <a:ext uri="{FF2B5EF4-FFF2-40B4-BE49-F238E27FC236}">
-                <a16:creationId xmlns:a16="http://schemas.microsoft.com/office/drawing/2014/main" id="{FB0D5A70-4170-07F1-0B8A-AA367F57AF8A}"/>
+                <a16:creationId xmlns:a16="http://schemas.microsoft.com/office/drawing/2014/main" id="{119FB013-CE9F-92A4-EF56-E9526B5A501D}"/>
               </a:ext>
             </a:extLst>
           </p:cNvPr>
@@ -306,7 +306,7 @@
           <a:bodyPr/>
           <a:lstStyle/>
           <a:p>
-            <a:fld id="{B1C6D3C2-99E8-43A8-8DFD-D9853AA32908}" type="slidenum">
+            <a:fld id="{961D338C-2BA1-41C2-A5DE-D4E88DB6B8C5}" type="slidenum">
               <a:rPr lang="zh-CN" altLang="en-US" smtClean="0"/>
               <a:t>‹#›</a:t>
             </a:fld>
@@ -317,7 +317,7 @@
     </p:spTree>
     <p:extLst>
       <p:ext uri="{BB962C8B-B14F-4D97-AF65-F5344CB8AC3E}">
-        <p14:creationId xmlns:p14="http://schemas.microsoft.com/office/powerpoint/2010/main" val="1318880239"/>
+        <p14:creationId xmlns:p14="http://schemas.microsoft.com/office/powerpoint/2010/main" val="335358620"/>
       </p:ext>
     </p:extLst>
   </p:cSld>
@@ -349,7 +349,7 @@
           <p:cNvPr id="2" name="标题 1">
             <a:extLst>
               <a:ext uri="{FF2B5EF4-FFF2-40B4-BE49-F238E27FC236}">
-                <a16:creationId xmlns:a16="http://schemas.microsoft.com/office/drawing/2014/main" id="{A0BC5897-AF2F-535E-1329-513D3598D1CB}"/>
+                <a16:creationId xmlns:a16="http://schemas.microsoft.com/office/drawing/2014/main" id="{91856057-D95A-1976-1AF6-239F83472A34}"/>
               </a:ext>
             </a:extLst>
           </p:cNvPr>
@@ -377,7 +377,7 @@
           <p:cNvPr id="3" name="竖排文字占位符 2">
             <a:extLst>
               <a:ext uri="{FF2B5EF4-FFF2-40B4-BE49-F238E27FC236}">
-                <a16:creationId xmlns:a16="http://schemas.microsoft.com/office/drawing/2014/main" id="{7B627B50-1F07-0A30-35CE-8DB115605C3C}"/>
+                <a16:creationId xmlns:a16="http://schemas.microsoft.com/office/drawing/2014/main" id="{0253BD00-4B37-2CA1-9F6A-75F997F6745F}"/>
               </a:ext>
             </a:extLst>
           </p:cNvPr>
@@ -434,7 +434,7 @@
           <p:cNvPr id="4" name="日期占位符 3">
             <a:extLst>
               <a:ext uri="{FF2B5EF4-FFF2-40B4-BE49-F238E27FC236}">
-                <a16:creationId xmlns:a16="http://schemas.microsoft.com/office/drawing/2014/main" id="{0FC53773-F0C4-3008-946D-09FE86189969}"/>
+                <a16:creationId xmlns:a16="http://schemas.microsoft.com/office/drawing/2014/main" id="{1918F34C-CCB4-A2AA-F042-5946DD9CAA40}"/>
               </a:ext>
             </a:extLst>
           </p:cNvPr>
@@ -450,7 +450,7 @@
           <a:bodyPr/>
           <a:lstStyle/>
           <a:p>
-            <a:fld id="{E9597A97-4C1C-46D1-B65A-74EF2C065B62}" type="datetimeFigureOut">
+            <a:fld id="{22BE6CA1-862A-4C9A-B0DD-C449970096AA}" type="datetimeFigureOut">
               <a:rPr lang="zh-CN" altLang="en-US" smtClean="0"/>
               <a:t>2024/3/10</a:t>
             </a:fld>
@@ -463,7 +463,7 @@
           <p:cNvPr id="5" name="页脚占位符 4">
             <a:extLst>
               <a:ext uri="{FF2B5EF4-FFF2-40B4-BE49-F238E27FC236}">
-                <a16:creationId xmlns:a16="http://schemas.microsoft.com/office/drawing/2014/main" id="{FA7E1D92-3E74-B089-BD50-32959978B3A1}"/>
+                <a16:creationId xmlns:a16="http://schemas.microsoft.com/office/drawing/2014/main" id="{BF082E69-A934-07F1-95DD-DCCF4B35B442}"/>
               </a:ext>
             </a:extLst>
           </p:cNvPr>
@@ -488,7 +488,7 @@
           <p:cNvPr id="6" name="灯片编号占位符 5">
             <a:extLst>
               <a:ext uri="{FF2B5EF4-FFF2-40B4-BE49-F238E27FC236}">
-                <a16:creationId xmlns:a16="http://schemas.microsoft.com/office/drawing/2014/main" id="{A6221A8C-6E83-87B0-571F-511C7FF7A0F2}"/>
+                <a16:creationId xmlns:a16="http://schemas.microsoft.com/office/drawing/2014/main" id="{1179C37F-1C1A-2B9F-EC51-692ED5882999}"/>
               </a:ext>
             </a:extLst>
           </p:cNvPr>
@@ -504,7 +504,7 @@
           <a:bodyPr/>
           <a:lstStyle/>
           <a:p>
-            <a:fld id="{B1C6D3C2-99E8-43A8-8DFD-D9853AA32908}" type="slidenum">
+            <a:fld id="{961D338C-2BA1-41C2-A5DE-D4E88DB6B8C5}" type="slidenum">
               <a:rPr lang="zh-CN" altLang="en-US" smtClean="0"/>
               <a:t>‹#›</a:t>
             </a:fld>
@@ -515,7 +515,7 @@
     </p:spTree>
     <p:extLst>
       <p:ext uri="{BB962C8B-B14F-4D97-AF65-F5344CB8AC3E}">
-        <p14:creationId xmlns:p14="http://schemas.microsoft.com/office/powerpoint/2010/main" val="1469729729"/>
+        <p14:creationId xmlns:p14="http://schemas.microsoft.com/office/powerpoint/2010/main" val="638075037"/>
       </p:ext>
     </p:extLst>
   </p:cSld>
@@ -547,7 +547,7 @@
           <p:cNvPr id="2" name="竖排标题 1">
             <a:extLst>
               <a:ext uri="{FF2B5EF4-FFF2-40B4-BE49-F238E27FC236}">
-                <a16:creationId xmlns:a16="http://schemas.microsoft.com/office/drawing/2014/main" id="{87C2A8AF-3C9C-62C4-F4C8-2FDF0C120251}"/>
+                <a16:creationId xmlns:a16="http://schemas.microsoft.com/office/drawing/2014/main" id="{AB124FC1-0A2F-C7B5-74E7-1A0FEFB11266}"/>
               </a:ext>
             </a:extLst>
           </p:cNvPr>
@@ -580,7 +580,7 @@
           <p:cNvPr id="3" name="竖排文字占位符 2">
             <a:extLst>
               <a:ext uri="{FF2B5EF4-FFF2-40B4-BE49-F238E27FC236}">
-                <a16:creationId xmlns:a16="http://schemas.microsoft.com/office/drawing/2014/main" id="{617F35AD-B3F1-0562-0988-C495AA432DAC}"/>
+                <a16:creationId xmlns:a16="http://schemas.microsoft.com/office/drawing/2014/main" id="{5D000EE1-3235-252A-C5D6-189DD8D8B3B4}"/>
               </a:ext>
             </a:extLst>
           </p:cNvPr>
@@ -642,7 +642,7 @@
           <p:cNvPr id="4" name="日期占位符 3">
             <a:extLst>
               <a:ext uri="{FF2B5EF4-FFF2-40B4-BE49-F238E27FC236}">
-                <a16:creationId xmlns:a16="http://schemas.microsoft.com/office/drawing/2014/main" id="{0F863799-EFFB-470C-5630-84129AF19A9F}"/>
+                <a16:creationId xmlns:a16="http://schemas.microsoft.com/office/drawing/2014/main" id="{684C8F12-EA62-DA30-6134-2736F1D79F5C}"/>
               </a:ext>
             </a:extLst>
           </p:cNvPr>
@@ -658,7 +658,7 @@
           <a:bodyPr/>
           <a:lstStyle/>
           <a:p>
-            <a:fld id="{E9597A97-4C1C-46D1-B65A-74EF2C065B62}" type="datetimeFigureOut">
+            <a:fld id="{22BE6CA1-862A-4C9A-B0DD-C449970096AA}" type="datetimeFigureOut">
               <a:rPr lang="zh-CN" altLang="en-US" smtClean="0"/>
               <a:t>2024/3/10</a:t>
             </a:fld>
@@ -671,7 +671,7 @@
           <p:cNvPr id="5" name="页脚占位符 4">
             <a:extLst>
               <a:ext uri="{FF2B5EF4-FFF2-40B4-BE49-F238E27FC236}">
-                <a16:creationId xmlns:a16="http://schemas.microsoft.com/office/drawing/2014/main" id="{32F25C84-0E65-BB28-51B7-8FA71FBD9B23}"/>
+                <a16:creationId xmlns:a16="http://schemas.microsoft.com/office/drawing/2014/main" id="{52B3A0CA-E4AD-BBA5-F5D7-9591BF9ACA0E}"/>
               </a:ext>
             </a:extLst>
           </p:cNvPr>
@@ -696,7 +696,7 @@
           <p:cNvPr id="6" name="灯片编号占位符 5">
             <a:extLst>
               <a:ext uri="{FF2B5EF4-FFF2-40B4-BE49-F238E27FC236}">
-                <a16:creationId xmlns:a16="http://schemas.microsoft.com/office/drawing/2014/main" id="{D5676473-403B-CA86-0E0E-FB7355BF3E92}"/>
+                <a16:creationId xmlns:a16="http://schemas.microsoft.com/office/drawing/2014/main" id="{9B299D3A-4889-2C8C-84DF-A2629FC516C3}"/>
               </a:ext>
             </a:extLst>
           </p:cNvPr>
@@ -712,7 +712,7 @@
           <a:bodyPr/>
           <a:lstStyle/>
           <a:p>
-            <a:fld id="{B1C6D3C2-99E8-43A8-8DFD-D9853AA32908}" type="slidenum">
+            <a:fld id="{961D338C-2BA1-41C2-A5DE-D4E88DB6B8C5}" type="slidenum">
               <a:rPr lang="zh-CN" altLang="en-US" smtClean="0"/>
               <a:t>‹#›</a:t>
             </a:fld>
@@ -723,7 +723,7 @@
     </p:spTree>
     <p:extLst>
       <p:ext uri="{BB962C8B-B14F-4D97-AF65-F5344CB8AC3E}">
-        <p14:creationId xmlns:p14="http://schemas.microsoft.com/office/powerpoint/2010/main" val="1324300849"/>
+        <p14:creationId xmlns:p14="http://schemas.microsoft.com/office/powerpoint/2010/main" val="3500409484"/>
       </p:ext>
     </p:extLst>
   </p:cSld>
@@ -755,7 +755,7 @@
           <p:cNvPr id="2" name="标题 1">
             <a:extLst>
               <a:ext uri="{FF2B5EF4-FFF2-40B4-BE49-F238E27FC236}">
-                <a16:creationId xmlns:a16="http://schemas.microsoft.com/office/drawing/2014/main" id="{B6770ABB-8E6F-89D7-1EF0-78AFD00FF46E}"/>
+                <a16:creationId xmlns:a16="http://schemas.microsoft.com/office/drawing/2014/main" id="{DAFE6CD0-1230-0DCA-70BA-ADCECDFBE0D3}"/>
               </a:ext>
             </a:extLst>
           </p:cNvPr>
@@ -783,7 +783,7 @@
           <p:cNvPr id="3" name="内容占位符 2">
             <a:extLst>
               <a:ext uri="{FF2B5EF4-FFF2-40B4-BE49-F238E27FC236}">
-                <a16:creationId xmlns:a16="http://schemas.microsoft.com/office/drawing/2014/main" id="{BA926580-8F6F-621D-294F-77CB943539A2}"/>
+                <a16:creationId xmlns:a16="http://schemas.microsoft.com/office/drawing/2014/main" id="{41140DB1-2CD2-1A07-E66B-C620D2C026C9}"/>
               </a:ext>
             </a:extLst>
           </p:cNvPr>
@@ -840,7 +840,7 @@
           <p:cNvPr id="4" name="日期占位符 3">
             <a:extLst>
               <a:ext uri="{FF2B5EF4-FFF2-40B4-BE49-F238E27FC236}">
-                <a16:creationId xmlns:a16="http://schemas.microsoft.com/office/drawing/2014/main" id="{13FEE19D-6A4B-B7E3-1F8E-AC3BE674F06A}"/>
+                <a16:creationId xmlns:a16="http://schemas.microsoft.com/office/drawing/2014/main" id="{0B70F632-3AFC-1F78-00B5-F247A7D6CC97}"/>
               </a:ext>
             </a:extLst>
           </p:cNvPr>
@@ -856,7 +856,7 @@
           <a:bodyPr/>
           <a:lstStyle/>
           <a:p>
-            <a:fld id="{E9597A97-4C1C-46D1-B65A-74EF2C065B62}" type="datetimeFigureOut">
+            <a:fld id="{22BE6CA1-862A-4C9A-B0DD-C449970096AA}" type="datetimeFigureOut">
               <a:rPr lang="zh-CN" altLang="en-US" smtClean="0"/>
               <a:t>2024/3/10</a:t>
             </a:fld>
@@ -869,7 +869,7 @@
           <p:cNvPr id="5" name="页脚占位符 4">
             <a:extLst>
               <a:ext uri="{FF2B5EF4-FFF2-40B4-BE49-F238E27FC236}">
-                <a16:creationId xmlns:a16="http://schemas.microsoft.com/office/drawing/2014/main" id="{234FBE9F-2871-0E31-EC62-4469B38667F0}"/>
+                <a16:creationId xmlns:a16="http://schemas.microsoft.com/office/drawing/2014/main" id="{19230826-3759-2A55-0D21-10E5DDFFB5D0}"/>
               </a:ext>
             </a:extLst>
           </p:cNvPr>
@@ -894,7 +894,7 @@
           <p:cNvPr id="6" name="灯片编号占位符 5">
             <a:extLst>
               <a:ext uri="{FF2B5EF4-FFF2-40B4-BE49-F238E27FC236}">
-                <a16:creationId xmlns:a16="http://schemas.microsoft.com/office/drawing/2014/main" id="{74E2A4DF-9949-BF40-A871-4B644FA48F76}"/>
+                <a16:creationId xmlns:a16="http://schemas.microsoft.com/office/drawing/2014/main" id="{2C1B2D06-F80A-FCD8-92AF-B6AD353D3073}"/>
               </a:ext>
             </a:extLst>
           </p:cNvPr>
@@ -910,7 +910,7 @@
           <a:bodyPr/>
           <a:lstStyle/>
           <a:p>
-            <a:fld id="{B1C6D3C2-99E8-43A8-8DFD-D9853AA32908}" type="slidenum">
+            <a:fld id="{961D338C-2BA1-41C2-A5DE-D4E88DB6B8C5}" type="slidenum">
               <a:rPr lang="zh-CN" altLang="en-US" smtClean="0"/>
               <a:t>‹#›</a:t>
             </a:fld>
@@ -921,7 +921,7 @@
     </p:spTree>
     <p:extLst>
       <p:ext uri="{BB962C8B-B14F-4D97-AF65-F5344CB8AC3E}">
-        <p14:creationId xmlns:p14="http://schemas.microsoft.com/office/powerpoint/2010/main" val="1452036563"/>
+        <p14:creationId xmlns:p14="http://schemas.microsoft.com/office/powerpoint/2010/main" val="3907424871"/>
       </p:ext>
     </p:extLst>
   </p:cSld>
@@ -953,7 +953,7 @@
           <p:cNvPr id="2" name="标题 1">
             <a:extLst>
               <a:ext uri="{FF2B5EF4-FFF2-40B4-BE49-F238E27FC236}">
-                <a16:creationId xmlns:a16="http://schemas.microsoft.com/office/drawing/2014/main" id="{E8789905-DE9A-42AE-1374-4D6526D98E4D}"/>
+                <a16:creationId xmlns:a16="http://schemas.microsoft.com/office/drawing/2014/main" id="{ECDEA4B3-4876-B238-6B74-CA1F058C13B3}"/>
               </a:ext>
             </a:extLst>
           </p:cNvPr>
@@ -990,7 +990,7 @@
           <p:cNvPr id="3" name="文本占位符 2">
             <a:extLst>
               <a:ext uri="{FF2B5EF4-FFF2-40B4-BE49-F238E27FC236}">
-                <a16:creationId xmlns:a16="http://schemas.microsoft.com/office/drawing/2014/main" id="{673CC37C-6617-9D90-E1C5-E123F3F67467}"/>
+                <a16:creationId xmlns:a16="http://schemas.microsoft.com/office/drawing/2014/main" id="{4779E09E-A4A8-78E2-C954-24645D819893}"/>
               </a:ext>
             </a:extLst>
           </p:cNvPr>
@@ -1115,7 +1115,7 @@
           <p:cNvPr id="4" name="日期占位符 3">
             <a:extLst>
               <a:ext uri="{FF2B5EF4-FFF2-40B4-BE49-F238E27FC236}">
-                <a16:creationId xmlns:a16="http://schemas.microsoft.com/office/drawing/2014/main" id="{AECE1DBA-F747-73DB-54CC-763BA1193250}"/>
+                <a16:creationId xmlns:a16="http://schemas.microsoft.com/office/drawing/2014/main" id="{73C21483-FCD5-26B8-ACF3-E282A4B4110C}"/>
               </a:ext>
             </a:extLst>
           </p:cNvPr>
@@ -1131,7 +1131,7 @@
           <a:bodyPr/>
           <a:lstStyle/>
           <a:p>
-            <a:fld id="{E9597A97-4C1C-46D1-B65A-74EF2C065B62}" type="datetimeFigureOut">
+            <a:fld id="{22BE6CA1-862A-4C9A-B0DD-C449970096AA}" type="datetimeFigureOut">
               <a:rPr lang="zh-CN" altLang="en-US" smtClean="0"/>
               <a:t>2024/3/10</a:t>
             </a:fld>
@@ -1144,7 +1144,7 @@
           <p:cNvPr id="5" name="页脚占位符 4">
             <a:extLst>
               <a:ext uri="{FF2B5EF4-FFF2-40B4-BE49-F238E27FC236}">
-                <a16:creationId xmlns:a16="http://schemas.microsoft.com/office/drawing/2014/main" id="{1CFBBDC4-6F17-AB2F-3251-987F534434A4}"/>
+                <a16:creationId xmlns:a16="http://schemas.microsoft.com/office/drawing/2014/main" id="{FD778D32-1598-FEF0-D505-37DC2DAE00FB}"/>
               </a:ext>
             </a:extLst>
           </p:cNvPr>
@@ -1169,7 +1169,7 @@
           <p:cNvPr id="6" name="灯片编号占位符 5">
             <a:extLst>
               <a:ext uri="{FF2B5EF4-FFF2-40B4-BE49-F238E27FC236}">
-                <a16:creationId xmlns:a16="http://schemas.microsoft.com/office/drawing/2014/main" id="{5EF35336-7691-3738-0110-956708AFBBA0}"/>
+                <a16:creationId xmlns:a16="http://schemas.microsoft.com/office/drawing/2014/main" id="{A70C637A-97B4-AD4A-947F-94F1F9A0F483}"/>
               </a:ext>
             </a:extLst>
           </p:cNvPr>
@@ -1185,7 +1185,7 @@
           <a:bodyPr/>
           <a:lstStyle/>
           <a:p>
-            <a:fld id="{B1C6D3C2-99E8-43A8-8DFD-D9853AA32908}" type="slidenum">
+            <a:fld id="{961D338C-2BA1-41C2-A5DE-D4E88DB6B8C5}" type="slidenum">
               <a:rPr lang="zh-CN" altLang="en-US" smtClean="0"/>
               <a:t>‹#›</a:t>
             </a:fld>
@@ -1196,7 +1196,7 @@
     </p:spTree>
     <p:extLst>
       <p:ext uri="{BB962C8B-B14F-4D97-AF65-F5344CB8AC3E}">
-        <p14:creationId xmlns:p14="http://schemas.microsoft.com/office/powerpoint/2010/main" val="2595556439"/>
+        <p14:creationId xmlns:p14="http://schemas.microsoft.com/office/powerpoint/2010/main" val="763928694"/>
       </p:ext>
     </p:extLst>
   </p:cSld>
@@ -1228,7 +1228,7 @@
           <p:cNvPr id="2" name="标题 1">
             <a:extLst>
               <a:ext uri="{FF2B5EF4-FFF2-40B4-BE49-F238E27FC236}">
-                <a16:creationId xmlns:a16="http://schemas.microsoft.com/office/drawing/2014/main" id="{71D3009A-1E42-FF43-F347-09291A2675BD}"/>
+                <a16:creationId xmlns:a16="http://schemas.microsoft.com/office/drawing/2014/main" id="{025B39BC-0102-10D8-31B5-77CC23EE88E8}"/>
               </a:ext>
             </a:extLst>
           </p:cNvPr>
@@ -1256,7 +1256,7 @@
           <p:cNvPr id="3" name="内容占位符 2">
             <a:extLst>
               <a:ext uri="{FF2B5EF4-FFF2-40B4-BE49-F238E27FC236}">
-                <a16:creationId xmlns:a16="http://schemas.microsoft.com/office/drawing/2014/main" id="{E106467C-DB3A-C8F7-23AE-370B33C33C02}"/>
+                <a16:creationId xmlns:a16="http://schemas.microsoft.com/office/drawing/2014/main" id="{9E513ABF-420D-C25C-5BDD-1B67D767697C}"/>
               </a:ext>
             </a:extLst>
           </p:cNvPr>
@@ -1318,7 +1318,7 @@
           <p:cNvPr id="4" name="内容占位符 3">
             <a:extLst>
               <a:ext uri="{FF2B5EF4-FFF2-40B4-BE49-F238E27FC236}">
-                <a16:creationId xmlns:a16="http://schemas.microsoft.com/office/drawing/2014/main" id="{6EE99630-5662-4263-DF7A-783E7932D928}"/>
+                <a16:creationId xmlns:a16="http://schemas.microsoft.com/office/drawing/2014/main" id="{45A7879F-BF38-ADE2-198D-3BED930B1B3E}"/>
               </a:ext>
             </a:extLst>
           </p:cNvPr>
@@ -1380,7 +1380,7 @@
           <p:cNvPr id="5" name="日期占位符 4">
             <a:extLst>
               <a:ext uri="{FF2B5EF4-FFF2-40B4-BE49-F238E27FC236}">
-                <a16:creationId xmlns:a16="http://schemas.microsoft.com/office/drawing/2014/main" id="{6B591672-17AD-A503-359F-5C055F0BAF3C}"/>
+                <a16:creationId xmlns:a16="http://schemas.microsoft.com/office/drawing/2014/main" id="{AFC5AB8F-CB20-0F25-097D-FE89160EF0DD}"/>
               </a:ext>
             </a:extLst>
           </p:cNvPr>
@@ -1396,7 +1396,7 @@
           <a:bodyPr/>
           <a:lstStyle/>
           <a:p>
-            <a:fld id="{E9597A97-4C1C-46D1-B65A-74EF2C065B62}" type="datetimeFigureOut">
+            <a:fld id="{22BE6CA1-862A-4C9A-B0DD-C449970096AA}" type="datetimeFigureOut">
               <a:rPr lang="zh-CN" altLang="en-US" smtClean="0"/>
               <a:t>2024/3/10</a:t>
             </a:fld>
@@ -1409,7 +1409,7 @@
           <p:cNvPr id="6" name="页脚占位符 5">
             <a:extLst>
               <a:ext uri="{FF2B5EF4-FFF2-40B4-BE49-F238E27FC236}">
-                <a16:creationId xmlns:a16="http://schemas.microsoft.com/office/drawing/2014/main" id="{D9226161-DD3E-A216-8C52-EA39C0848997}"/>
+                <a16:creationId xmlns:a16="http://schemas.microsoft.com/office/drawing/2014/main" id="{114B008A-078E-6E52-64C1-259FC18D44FF}"/>
               </a:ext>
             </a:extLst>
           </p:cNvPr>
@@ -1434,7 +1434,7 @@
           <p:cNvPr id="7" name="灯片编号占位符 6">
             <a:extLst>
               <a:ext uri="{FF2B5EF4-FFF2-40B4-BE49-F238E27FC236}">
-                <a16:creationId xmlns:a16="http://schemas.microsoft.com/office/drawing/2014/main" id="{60D38FAF-7935-7255-8A00-DEDA65C71623}"/>
+                <a16:creationId xmlns:a16="http://schemas.microsoft.com/office/drawing/2014/main" id="{18CF7266-1238-7C22-A1E0-58DAB2D04902}"/>
               </a:ext>
             </a:extLst>
           </p:cNvPr>
@@ -1450,7 +1450,7 @@
           <a:bodyPr/>
           <a:lstStyle/>
           <a:p>
-            <a:fld id="{B1C6D3C2-99E8-43A8-8DFD-D9853AA32908}" type="slidenum">
+            <a:fld id="{961D338C-2BA1-41C2-A5DE-D4E88DB6B8C5}" type="slidenum">
               <a:rPr lang="zh-CN" altLang="en-US" smtClean="0"/>
               <a:t>‹#›</a:t>
             </a:fld>
@@ -1461,7 +1461,7 @@
     </p:spTree>
     <p:extLst>
       <p:ext uri="{BB962C8B-B14F-4D97-AF65-F5344CB8AC3E}">
-        <p14:creationId xmlns:p14="http://schemas.microsoft.com/office/powerpoint/2010/main" val="2921133461"/>
+        <p14:creationId xmlns:p14="http://schemas.microsoft.com/office/powerpoint/2010/main" val="1041917694"/>
       </p:ext>
     </p:extLst>
   </p:cSld>
@@ -1493,7 +1493,7 @@
           <p:cNvPr id="2" name="标题 1">
             <a:extLst>
               <a:ext uri="{FF2B5EF4-FFF2-40B4-BE49-F238E27FC236}">
-                <a16:creationId xmlns:a16="http://schemas.microsoft.com/office/drawing/2014/main" id="{20DEDDD7-1F61-01B9-39A1-8D5ED2CCF1C1}"/>
+                <a16:creationId xmlns:a16="http://schemas.microsoft.com/office/drawing/2014/main" id="{093DD119-44BA-0446-1A70-A0D419779F03}"/>
               </a:ext>
             </a:extLst>
           </p:cNvPr>
@@ -1526,7 +1526,7 @@
           <p:cNvPr id="3" name="文本占位符 2">
             <a:extLst>
               <a:ext uri="{FF2B5EF4-FFF2-40B4-BE49-F238E27FC236}">
-                <a16:creationId xmlns:a16="http://schemas.microsoft.com/office/drawing/2014/main" id="{5ACDD0F0-9942-86D9-0763-F33E9149628D}"/>
+                <a16:creationId xmlns:a16="http://schemas.microsoft.com/office/drawing/2014/main" id="{4DF28530-A086-350B-F8D6-9B755786F039}"/>
               </a:ext>
             </a:extLst>
           </p:cNvPr>
@@ -1597,7 +1597,7 @@
           <p:cNvPr id="4" name="内容占位符 3">
             <a:extLst>
               <a:ext uri="{FF2B5EF4-FFF2-40B4-BE49-F238E27FC236}">
-                <a16:creationId xmlns:a16="http://schemas.microsoft.com/office/drawing/2014/main" id="{0DD3FED7-E015-6E4C-1BC1-9AC069C5195B}"/>
+                <a16:creationId xmlns:a16="http://schemas.microsoft.com/office/drawing/2014/main" id="{4B7ED446-D374-DB0B-131B-F2C0881B12A6}"/>
               </a:ext>
             </a:extLst>
           </p:cNvPr>
@@ -1659,7 +1659,7 @@
           <p:cNvPr id="5" name="文本占位符 4">
             <a:extLst>
               <a:ext uri="{FF2B5EF4-FFF2-40B4-BE49-F238E27FC236}">
-                <a16:creationId xmlns:a16="http://schemas.microsoft.com/office/drawing/2014/main" id="{69554DB6-1D1D-D8BE-6902-9884F054EB5D}"/>
+                <a16:creationId xmlns:a16="http://schemas.microsoft.com/office/drawing/2014/main" id="{9C8BF7F5-92C0-0DD2-3200-E8C1E566F4AD}"/>
               </a:ext>
             </a:extLst>
           </p:cNvPr>
@@ -1730,7 +1730,7 @@
           <p:cNvPr id="6" name="内容占位符 5">
             <a:extLst>
               <a:ext uri="{FF2B5EF4-FFF2-40B4-BE49-F238E27FC236}">
-                <a16:creationId xmlns:a16="http://schemas.microsoft.com/office/drawing/2014/main" id="{78DB2719-CEDB-76DE-E7C8-5E2529725C9F}"/>
+                <a16:creationId xmlns:a16="http://schemas.microsoft.com/office/drawing/2014/main" id="{DC69655C-1043-4CCF-EB3F-1B78836C6EC9}"/>
               </a:ext>
             </a:extLst>
           </p:cNvPr>
@@ -1792,7 +1792,7 @@
           <p:cNvPr id="7" name="日期占位符 6">
             <a:extLst>
               <a:ext uri="{FF2B5EF4-FFF2-40B4-BE49-F238E27FC236}">
-                <a16:creationId xmlns:a16="http://schemas.microsoft.com/office/drawing/2014/main" id="{BCA96DF9-4959-5FD9-032A-2D8C6A8986CB}"/>
+                <a16:creationId xmlns:a16="http://schemas.microsoft.com/office/drawing/2014/main" id="{56563823-CA57-6E54-3DD5-7DCE569E5E24}"/>
               </a:ext>
             </a:extLst>
           </p:cNvPr>
@@ -1808,7 +1808,7 @@
           <a:bodyPr/>
           <a:lstStyle/>
           <a:p>
-            <a:fld id="{E9597A97-4C1C-46D1-B65A-74EF2C065B62}" type="datetimeFigureOut">
+            <a:fld id="{22BE6CA1-862A-4C9A-B0DD-C449970096AA}" type="datetimeFigureOut">
               <a:rPr lang="zh-CN" altLang="en-US" smtClean="0"/>
               <a:t>2024/3/10</a:t>
             </a:fld>
@@ -1821,7 +1821,7 @@
           <p:cNvPr id="8" name="页脚占位符 7">
             <a:extLst>
               <a:ext uri="{FF2B5EF4-FFF2-40B4-BE49-F238E27FC236}">
-                <a16:creationId xmlns:a16="http://schemas.microsoft.com/office/drawing/2014/main" id="{E13896AB-894A-9936-954A-C7228EC0E5E5}"/>
+                <a16:creationId xmlns:a16="http://schemas.microsoft.com/office/drawing/2014/main" id="{5BF87E08-C2E7-CD39-D79B-7728E569E2BB}"/>
               </a:ext>
             </a:extLst>
           </p:cNvPr>
@@ -1846,7 +1846,7 @@
           <p:cNvPr id="9" name="灯片编号占位符 8">
             <a:extLst>
               <a:ext uri="{FF2B5EF4-FFF2-40B4-BE49-F238E27FC236}">
-                <a16:creationId xmlns:a16="http://schemas.microsoft.com/office/drawing/2014/main" id="{037DF0E8-A0B3-DAAA-0255-6CC29CEDE92E}"/>
+                <a16:creationId xmlns:a16="http://schemas.microsoft.com/office/drawing/2014/main" id="{826DB817-2097-4183-D4E8-07AEA4866E3F}"/>
               </a:ext>
             </a:extLst>
           </p:cNvPr>
@@ -1862,7 +1862,7 @@
           <a:bodyPr/>
           <a:lstStyle/>
           <a:p>
-            <a:fld id="{B1C6D3C2-99E8-43A8-8DFD-D9853AA32908}" type="slidenum">
+            <a:fld id="{961D338C-2BA1-41C2-A5DE-D4E88DB6B8C5}" type="slidenum">
               <a:rPr lang="zh-CN" altLang="en-US" smtClean="0"/>
               <a:t>‹#›</a:t>
             </a:fld>
@@ -1873,7 +1873,7 @@
     </p:spTree>
     <p:extLst>
       <p:ext uri="{BB962C8B-B14F-4D97-AF65-F5344CB8AC3E}">
-        <p14:creationId xmlns:p14="http://schemas.microsoft.com/office/powerpoint/2010/main" val="747023908"/>
+        <p14:creationId xmlns:p14="http://schemas.microsoft.com/office/powerpoint/2010/main" val="2710361574"/>
       </p:ext>
     </p:extLst>
   </p:cSld>
@@ -1905,7 +1905,7 @@
           <p:cNvPr id="2" name="标题 1">
             <a:extLst>
               <a:ext uri="{FF2B5EF4-FFF2-40B4-BE49-F238E27FC236}">
-                <a16:creationId xmlns:a16="http://schemas.microsoft.com/office/drawing/2014/main" id="{9549D613-BDD9-49F2-85D9-017C40F31853}"/>
+                <a16:creationId xmlns:a16="http://schemas.microsoft.com/office/drawing/2014/main" id="{F56DC855-E021-4215-FA6C-92FB763D85C9}"/>
               </a:ext>
             </a:extLst>
           </p:cNvPr>
@@ -1933,7 +1933,7 @@
           <p:cNvPr id="3" name="日期占位符 2">
             <a:extLst>
               <a:ext uri="{FF2B5EF4-FFF2-40B4-BE49-F238E27FC236}">
-                <a16:creationId xmlns:a16="http://schemas.microsoft.com/office/drawing/2014/main" id="{958C422C-4E79-85C0-A970-905669BE495A}"/>
+                <a16:creationId xmlns:a16="http://schemas.microsoft.com/office/drawing/2014/main" id="{CA8B6390-5E11-7CE6-89FC-93833A7AD6D8}"/>
               </a:ext>
             </a:extLst>
           </p:cNvPr>
@@ -1949,7 +1949,7 @@
           <a:bodyPr/>
           <a:lstStyle/>
           <a:p>
-            <a:fld id="{E9597A97-4C1C-46D1-B65A-74EF2C065B62}" type="datetimeFigureOut">
+            <a:fld id="{22BE6CA1-862A-4C9A-B0DD-C449970096AA}" type="datetimeFigureOut">
               <a:rPr lang="zh-CN" altLang="en-US" smtClean="0"/>
               <a:t>2024/3/10</a:t>
             </a:fld>
@@ -1962,7 +1962,7 @@
           <p:cNvPr id="4" name="页脚占位符 3">
             <a:extLst>
               <a:ext uri="{FF2B5EF4-FFF2-40B4-BE49-F238E27FC236}">
-                <a16:creationId xmlns:a16="http://schemas.microsoft.com/office/drawing/2014/main" id="{22CDAA93-5FFF-BF46-9CCC-9D602B222CEB}"/>
+                <a16:creationId xmlns:a16="http://schemas.microsoft.com/office/drawing/2014/main" id="{49C31E4A-02CC-5E6A-4868-D1091D613714}"/>
               </a:ext>
             </a:extLst>
           </p:cNvPr>
@@ -1987,7 +1987,7 @@
           <p:cNvPr id="5" name="灯片编号占位符 4">
             <a:extLst>
               <a:ext uri="{FF2B5EF4-FFF2-40B4-BE49-F238E27FC236}">
-                <a16:creationId xmlns:a16="http://schemas.microsoft.com/office/drawing/2014/main" id="{243F8AA9-FEB0-C741-E502-C02C63D6E01F}"/>
+                <a16:creationId xmlns:a16="http://schemas.microsoft.com/office/drawing/2014/main" id="{59CCDB44-E79D-5EEB-A8A9-3557A8819D1D}"/>
               </a:ext>
             </a:extLst>
           </p:cNvPr>
@@ -2003,7 +2003,7 @@
           <a:bodyPr/>
           <a:lstStyle/>
           <a:p>
-            <a:fld id="{B1C6D3C2-99E8-43A8-8DFD-D9853AA32908}" type="slidenum">
+            <a:fld id="{961D338C-2BA1-41C2-A5DE-D4E88DB6B8C5}" type="slidenum">
               <a:rPr lang="zh-CN" altLang="en-US" smtClean="0"/>
               <a:t>‹#›</a:t>
             </a:fld>
@@ -2014,7 +2014,7 @@
     </p:spTree>
     <p:extLst>
       <p:ext uri="{BB962C8B-B14F-4D97-AF65-F5344CB8AC3E}">
-        <p14:creationId xmlns:p14="http://schemas.microsoft.com/office/powerpoint/2010/main" val="1295353381"/>
+        <p14:creationId xmlns:p14="http://schemas.microsoft.com/office/powerpoint/2010/main" val="3596083933"/>
       </p:ext>
     </p:extLst>
   </p:cSld>
@@ -2046,7 +2046,7 @@
           <p:cNvPr id="2" name="日期占位符 1">
             <a:extLst>
               <a:ext uri="{FF2B5EF4-FFF2-40B4-BE49-F238E27FC236}">
-                <a16:creationId xmlns:a16="http://schemas.microsoft.com/office/drawing/2014/main" id="{F90FB0FD-EA13-6575-CCFE-2C3F9F7FC9FD}"/>
+                <a16:creationId xmlns:a16="http://schemas.microsoft.com/office/drawing/2014/main" id="{0025D92C-4E69-A34B-7539-EFC7D7BDBFEA}"/>
               </a:ext>
             </a:extLst>
           </p:cNvPr>
@@ -2062,7 +2062,7 @@
           <a:bodyPr/>
           <a:lstStyle/>
           <a:p>
-            <a:fld id="{E9597A97-4C1C-46D1-B65A-74EF2C065B62}" type="datetimeFigureOut">
+            <a:fld id="{22BE6CA1-862A-4C9A-B0DD-C449970096AA}" type="datetimeFigureOut">
               <a:rPr lang="zh-CN" altLang="en-US" smtClean="0"/>
               <a:t>2024/3/10</a:t>
             </a:fld>
@@ -2075,7 +2075,7 @@
           <p:cNvPr id="3" name="页脚占位符 2">
             <a:extLst>
               <a:ext uri="{FF2B5EF4-FFF2-40B4-BE49-F238E27FC236}">
-                <a16:creationId xmlns:a16="http://schemas.microsoft.com/office/drawing/2014/main" id="{8B8706B4-6D7A-3FF6-82FB-CD56A975F7E2}"/>
+                <a16:creationId xmlns:a16="http://schemas.microsoft.com/office/drawing/2014/main" id="{CCD8048D-186D-75D5-F712-E89E9F76B101}"/>
               </a:ext>
             </a:extLst>
           </p:cNvPr>
@@ -2100,7 +2100,7 @@
           <p:cNvPr id="4" name="灯片编号占位符 3">
             <a:extLst>
               <a:ext uri="{FF2B5EF4-FFF2-40B4-BE49-F238E27FC236}">
-                <a16:creationId xmlns:a16="http://schemas.microsoft.com/office/drawing/2014/main" id="{C14603CC-C2F7-36FE-6F6E-9D7E52A8FA93}"/>
+                <a16:creationId xmlns:a16="http://schemas.microsoft.com/office/drawing/2014/main" id="{AA87CEE3-D796-B793-88AF-12F8EE85CCB1}"/>
               </a:ext>
             </a:extLst>
           </p:cNvPr>
@@ -2116,7 +2116,7 @@
           <a:bodyPr/>
           <a:lstStyle/>
           <a:p>
-            <a:fld id="{B1C6D3C2-99E8-43A8-8DFD-D9853AA32908}" type="slidenum">
+            <a:fld id="{961D338C-2BA1-41C2-A5DE-D4E88DB6B8C5}" type="slidenum">
               <a:rPr lang="zh-CN" altLang="en-US" smtClean="0"/>
               <a:t>‹#›</a:t>
             </a:fld>
@@ -2127,7 +2127,7 @@
     </p:spTree>
     <p:extLst>
       <p:ext uri="{BB962C8B-B14F-4D97-AF65-F5344CB8AC3E}">
-        <p14:creationId xmlns:p14="http://schemas.microsoft.com/office/powerpoint/2010/main" val="4040795115"/>
+        <p14:creationId xmlns:p14="http://schemas.microsoft.com/office/powerpoint/2010/main" val="134322551"/>
       </p:ext>
     </p:extLst>
   </p:cSld>
@@ -2159,7 +2159,7 @@
           <p:cNvPr id="2" name="标题 1">
             <a:extLst>
               <a:ext uri="{FF2B5EF4-FFF2-40B4-BE49-F238E27FC236}">
-                <a16:creationId xmlns:a16="http://schemas.microsoft.com/office/drawing/2014/main" id="{0D9AF5F1-A630-3F7A-38A1-E3A75A119853}"/>
+                <a16:creationId xmlns:a16="http://schemas.microsoft.com/office/drawing/2014/main" id="{36B186FC-32EB-133F-A52C-BEEAC83B16EE}"/>
               </a:ext>
             </a:extLst>
           </p:cNvPr>
@@ -2196,7 +2196,7 @@
           <p:cNvPr id="3" name="内容占位符 2">
             <a:extLst>
               <a:ext uri="{FF2B5EF4-FFF2-40B4-BE49-F238E27FC236}">
-                <a16:creationId xmlns:a16="http://schemas.microsoft.com/office/drawing/2014/main" id="{98A15F19-5E05-1E22-48C2-AE3B25649BEB}"/>
+                <a16:creationId xmlns:a16="http://schemas.microsoft.com/office/drawing/2014/main" id="{959EAC52-03C2-7E80-A08C-D339624E3CA6}"/>
               </a:ext>
             </a:extLst>
           </p:cNvPr>
@@ -2286,7 +2286,7 @@
           <p:cNvPr id="4" name="文本占位符 3">
             <a:extLst>
               <a:ext uri="{FF2B5EF4-FFF2-40B4-BE49-F238E27FC236}">
-                <a16:creationId xmlns:a16="http://schemas.microsoft.com/office/drawing/2014/main" id="{F23A1DEA-4341-171A-F21E-6A705643CD43}"/>
+                <a16:creationId xmlns:a16="http://schemas.microsoft.com/office/drawing/2014/main" id="{644B2D11-5864-9E94-ABB4-F9E34881CE50}"/>
               </a:ext>
             </a:extLst>
           </p:cNvPr>
@@ -2357,7 +2357,7 @@
           <p:cNvPr id="5" name="日期占位符 4">
             <a:extLst>
               <a:ext uri="{FF2B5EF4-FFF2-40B4-BE49-F238E27FC236}">
-                <a16:creationId xmlns:a16="http://schemas.microsoft.com/office/drawing/2014/main" id="{802CA762-E8EE-1716-D4AB-8F2642F6EA9B}"/>
+                <a16:creationId xmlns:a16="http://schemas.microsoft.com/office/drawing/2014/main" id="{5A5A834C-92B7-F5E2-C71A-AD189453EAEC}"/>
               </a:ext>
             </a:extLst>
           </p:cNvPr>
@@ -2373,7 +2373,7 @@
           <a:bodyPr/>
           <a:lstStyle/>
           <a:p>
-            <a:fld id="{E9597A97-4C1C-46D1-B65A-74EF2C065B62}" type="datetimeFigureOut">
+            <a:fld id="{22BE6CA1-862A-4C9A-B0DD-C449970096AA}" type="datetimeFigureOut">
               <a:rPr lang="zh-CN" altLang="en-US" smtClean="0"/>
               <a:t>2024/3/10</a:t>
             </a:fld>
@@ -2386,7 +2386,7 @@
           <p:cNvPr id="6" name="页脚占位符 5">
             <a:extLst>
               <a:ext uri="{FF2B5EF4-FFF2-40B4-BE49-F238E27FC236}">
-                <a16:creationId xmlns:a16="http://schemas.microsoft.com/office/drawing/2014/main" id="{74EB2E09-FC8B-710E-1285-87854A14E673}"/>
+                <a16:creationId xmlns:a16="http://schemas.microsoft.com/office/drawing/2014/main" id="{371206C8-7655-22CC-E11D-8AB75469E690}"/>
               </a:ext>
             </a:extLst>
           </p:cNvPr>
@@ -2411,7 +2411,7 @@
           <p:cNvPr id="7" name="灯片编号占位符 6">
             <a:extLst>
               <a:ext uri="{FF2B5EF4-FFF2-40B4-BE49-F238E27FC236}">
-                <a16:creationId xmlns:a16="http://schemas.microsoft.com/office/drawing/2014/main" id="{74FE8739-3D91-4E5F-9D61-08ABCFFD28DC}"/>
+                <a16:creationId xmlns:a16="http://schemas.microsoft.com/office/drawing/2014/main" id="{932E5A56-DB49-82F5-768F-C82E08BE1F35}"/>
               </a:ext>
             </a:extLst>
           </p:cNvPr>
@@ -2427,7 +2427,7 @@
           <a:bodyPr/>
           <a:lstStyle/>
           <a:p>
-            <a:fld id="{B1C6D3C2-99E8-43A8-8DFD-D9853AA32908}" type="slidenum">
+            <a:fld id="{961D338C-2BA1-41C2-A5DE-D4E88DB6B8C5}" type="slidenum">
               <a:rPr lang="zh-CN" altLang="en-US" smtClean="0"/>
               <a:t>‹#›</a:t>
             </a:fld>
@@ -2438,7 +2438,7 @@
     </p:spTree>
     <p:extLst>
       <p:ext uri="{BB962C8B-B14F-4D97-AF65-F5344CB8AC3E}">
-        <p14:creationId xmlns:p14="http://schemas.microsoft.com/office/powerpoint/2010/main" val="1502154390"/>
+        <p14:creationId xmlns:p14="http://schemas.microsoft.com/office/powerpoint/2010/main" val="1810344576"/>
       </p:ext>
     </p:extLst>
   </p:cSld>
@@ -2470,7 +2470,7 @@
           <p:cNvPr id="2" name="标题 1">
             <a:extLst>
               <a:ext uri="{FF2B5EF4-FFF2-40B4-BE49-F238E27FC236}">
-                <a16:creationId xmlns:a16="http://schemas.microsoft.com/office/drawing/2014/main" id="{BCC29FCD-AA96-B407-F5A4-1C912A1F36D8}"/>
+                <a16:creationId xmlns:a16="http://schemas.microsoft.com/office/drawing/2014/main" id="{D5D0C28F-56F6-FF83-849A-A54AD695E5C1}"/>
               </a:ext>
             </a:extLst>
           </p:cNvPr>
@@ -2507,7 +2507,7 @@
           <p:cNvPr id="3" name="图片占位符 2">
             <a:extLst>
               <a:ext uri="{FF2B5EF4-FFF2-40B4-BE49-F238E27FC236}">
-                <a16:creationId xmlns:a16="http://schemas.microsoft.com/office/drawing/2014/main" id="{4AE14BA3-7175-F417-5860-5D9CA86BE1FD}"/>
+                <a16:creationId xmlns:a16="http://schemas.microsoft.com/office/drawing/2014/main" id="{D24B0D8C-4639-67A9-81CF-0F94FB4470C2}"/>
               </a:ext>
             </a:extLst>
           </p:cNvPr>
@@ -2574,7 +2574,7 @@
           <p:cNvPr id="4" name="文本占位符 3">
             <a:extLst>
               <a:ext uri="{FF2B5EF4-FFF2-40B4-BE49-F238E27FC236}">
-                <a16:creationId xmlns:a16="http://schemas.microsoft.com/office/drawing/2014/main" id="{B5F1301D-02E7-DED1-16F8-5564F345772E}"/>
+                <a16:creationId xmlns:a16="http://schemas.microsoft.com/office/drawing/2014/main" id="{4F241E2B-2AF8-E3A9-3EBD-DDCDF99F9217}"/>
               </a:ext>
             </a:extLst>
           </p:cNvPr>
@@ -2645,7 +2645,7 @@
           <p:cNvPr id="5" name="日期占位符 4">
             <a:extLst>
               <a:ext uri="{FF2B5EF4-FFF2-40B4-BE49-F238E27FC236}">
-                <a16:creationId xmlns:a16="http://schemas.microsoft.com/office/drawing/2014/main" id="{F8436092-AE9F-A982-C91A-41195ACE9570}"/>
+                <a16:creationId xmlns:a16="http://schemas.microsoft.com/office/drawing/2014/main" id="{BD60CF08-78DD-E3C5-659D-8AA738E5757C}"/>
               </a:ext>
             </a:extLst>
           </p:cNvPr>
@@ -2661,7 +2661,7 @@
           <a:bodyPr/>
           <a:lstStyle/>
           <a:p>
-            <a:fld id="{E9597A97-4C1C-46D1-B65A-74EF2C065B62}" type="datetimeFigureOut">
+            <a:fld id="{22BE6CA1-862A-4C9A-B0DD-C449970096AA}" type="datetimeFigureOut">
               <a:rPr lang="zh-CN" altLang="en-US" smtClean="0"/>
               <a:t>2024/3/10</a:t>
             </a:fld>
@@ -2674,7 +2674,7 @@
           <p:cNvPr id="6" name="页脚占位符 5">
             <a:extLst>
               <a:ext uri="{FF2B5EF4-FFF2-40B4-BE49-F238E27FC236}">
-                <a16:creationId xmlns:a16="http://schemas.microsoft.com/office/drawing/2014/main" id="{694D7657-8052-BCD4-5356-F6D092D378BA}"/>
+                <a16:creationId xmlns:a16="http://schemas.microsoft.com/office/drawing/2014/main" id="{E206F925-29D3-0309-733B-9E25DF6CB184}"/>
               </a:ext>
             </a:extLst>
           </p:cNvPr>
@@ -2699,7 +2699,7 @@
           <p:cNvPr id="7" name="灯片编号占位符 6">
             <a:extLst>
               <a:ext uri="{FF2B5EF4-FFF2-40B4-BE49-F238E27FC236}">
-                <a16:creationId xmlns:a16="http://schemas.microsoft.com/office/drawing/2014/main" id="{7C906D4B-4758-0515-5D7A-B2F36F34CBDB}"/>
+                <a16:creationId xmlns:a16="http://schemas.microsoft.com/office/drawing/2014/main" id="{BAB95E6C-739C-4143-7D88-06EB60CCE647}"/>
               </a:ext>
             </a:extLst>
           </p:cNvPr>
@@ -2715,7 +2715,7 @@
           <a:bodyPr/>
           <a:lstStyle/>
           <a:p>
-            <a:fld id="{B1C6D3C2-99E8-43A8-8DFD-D9853AA32908}" type="slidenum">
+            <a:fld id="{961D338C-2BA1-41C2-A5DE-D4E88DB6B8C5}" type="slidenum">
               <a:rPr lang="zh-CN" altLang="en-US" smtClean="0"/>
               <a:t>‹#›</a:t>
             </a:fld>
@@ -2726,7 +2726,7 @@
     </p:spTree>
     <p:extLst>
       <p:ext uri="{BB962C8B-B14F-4D97-AF65-F5344CB8AC3E}">
-        <p14:creationId xmlns:p14="http://schemas.microsoft.com/office/powerpoint/2010/main" val="2831624309"/>
+        <p14:creationId xmlns:p14="http://schemas.microsoft.com/office/powerpoint/2010/main" val="2044880397"/>
       </p:ext>
     </p:extLst>
   </p:cSld>
@@ -2763,7 +2763,7 @@
           <p:cNvPr id="2" name="标题占位符 1">
             <a:extLst>
               <a:ext uri="{FF2B5EF4-FFF2-40B4-BE49-F238E27FC236}">
-                <a16:creationId xmlns:a16="http://schemas.microsoft.com/office/drawing/2014/main" id="{2AFC79C5-75BF-84DE-7EC9-439F4C3154B4}"/>
+                <a16:creationId xmlns:a16="http://schemas.microsoft.com/office/drawing/2014/main" id="{AB4FD07C-974C-93E0-BCD3-24EC39806277}"/>
               </a:ext>
             </a:extLst>
           </p:cNvPr>
@@ -2801,7 +2801,7 @@
           <p:cNvPr id="3" name="文本占位符 2">
             <a:extLst>
               <a:ext uri="{FF2B5EF4-FFF2-40B4-BE49-F238E27FC236}">
-                <a16:creationId xmlns:a16="http://schemas.microsoft.com/office/drawing/2014/main" id="{86E87F83-800A-51BF-4D92-E0A0882A6D6E}"/>
+                <a16:creationId xmlns:a16="http://schemas.microsoft.com/office/drawing/2014/main" id="{8E1F9A12-1822-EA8D-DD12-E89A3F29A877}"/>
               </a:ext>
             </a:extLst>
           </p:cNvPr>
@@ -2868,7 +2868,7 @@
           <p:cNvPr id="4" name="日期占位符 3">
             <a:extLst>
               <a:ext uri="{FF2B5EF4-FFF2-40B4-BE49-F238E27FC236}">
-                <a16:creationId xmlns:a16="http://schemas.microsoft.com/office/drawing/2014/main" id="{1B6F46AC-01C7-1BFD-261E-504CB99E5AC6}"/>
+                <a16:creationId xmlns:a16="http://schemas.microsoft.com/office/drawing/2014/main" id="{ECD3E114-1D6D-B420-682D-CA886B33DF03}"/>
               </a:ext>
             </a:extLst>
           </p:cNvPr>
@@ -2902,7 +2902,7 @@
             </a:lvl1pPr>
           </a:lstStyle>
           <a:p>
-            <a:fld id="{E9597A97-4C1C-46D1-B65A-74EF2C065B62}" type="datetimeFigureOut">
+            <a:fld id="{22BE6CA1-862A-4C9A-B0DD-C449970096AA}" type="datetimeFigureOut">
               <a:rPr lang="zh-CN" altLang="en-US" smtClean="0"/>
               <a:t>2024/3/10</a:t>
             </a:fld>
@@ -2915,7 +2915,7 @@
           <p:cNvPr id="5" name="页脚占位符 4">
             <a:extLst>
               <a:ext uri="{FF2B5EF4-FFF2-40B4-BE49-F238E27FC236}">
-                <a16:creationId xmlns:a16="http://schemas.microsoft.com/office/drawing/2014/main" id="{FF86F1BD-86F9-113E-FDB2-B14DFB471D9B}"/>
+                <a16:creationId xmlns:a16="http://schemas.microsoft.com/office/drawing/2014/main" id="{A9008485-54B2-6FCB-7E79-572F1FB595E5}"/>
               </a:ext>
             </a:extLst>
           </p:cNvPr>
@@ -2958,7 +2958,7 @@
           <p:cNvPr id="6" name="灯片编号占位符 5">
             <a:extLst>
               <a:ext uri="{FF2B5EF4-FFF2-40B4-BE49-F238E27FC236}">
-                <a16:creationId xmlns:a16="http://schemas.microsoft.com/office/drawing/2014/main" id="{048D01EE-4FE9-3396-F37F-756A75981862}"/>
+                <a16:creationId xmlns:a16="http://schemas.microsoft.com/office/drawing/2014/main" id="{6916DF79-A069-11DF-BCD2-D4D24B076068}"/>
               </a:ext>
             </a:extLst>
           </p:cNvPr>
@@ -2992,7 +2992,7 @@
             </a:lvl1pPr>
           </a:lstStyle>
           <a:p>
-            <a:fld id="{B1C6D3C2-99E8-43A8-8DFD-D9853AA32908}" type="slidenum">
+            <a:fld id="{961D338C-2BA1-41C2-A5DE-D4E88DB6B8C5}" type="slidenum">
               <a:rPr lang="zh-CN" altLang="en-US" smtClean="0"/>
               <a:t>‹#›</a:t>
             </a:fld>
@@ -3003,7 +3003,7 @@
     </p:spTree>
     <p:extLst>
       <p:ext uri="{BB962C8B-B14F-4D97-AF65-F5344CB8AC3E}">
-        <p14:creationId xmlns:p14="http://schemas.microsoft.com/office/powerpoint/2010/main" val="681887856"/>
+        <p14:creationId xmlns:p14="http://schemas.microsoft.com/office/powerpoint/2010/main" val="2993864140"/>
       </p:ext>
     </p:extLst>
   </p:cSld>
